--- a/NDRRMC Monitoring Systemv2.pptx
+++ b/NDRRMC Monitoring Systemv2.pptx
@@ -7,15 +7,14 @@
   <p:sldIdLst>
     <p:sldId id="256" r:id="rId2"/>
     <p:sldId id="267" r:id="rId3"/>
-    <p:sldId id="264" r:id="rId4"/>
-    <p:sldId id="265" r:id="rId5"/>
-    <p:sldId id="266" r:id="rId6"/>
-    <p:sldId id="269" r:id="rId7"/>
-    <p:sldId id="270" r:id="rId8"/>
-    <p:sldId id="260" r:id="rId9"/>
-    <p:sldId id="271" r:id="rId10"/>
-    <p:sldId id="257" r:id="rId11"/>
-    <p:sldId id="259" r:id="rId12"/>
+    <p:sldId id="265" r:id="rId4"/>
+    <p:sldId id="266" r:id="rId5"/>
+    <p:sldId id="269" r:id="rId6"/>
+    <p:sldId id="270" r:id="rId7"/>
+    <p:sldId id="260" r:id="rId8"/>
+    <p:sldId id="271" r:id="rId9"/>
+    <p:sldId id="257" r:id="rId10"/>
+    <p:sldId id="259" r:id="rId11"/>
   </p:sldIdLst>
   <p:sldSz cx="12192000" cy="6858000"/>
   <p:notesSz cx="6858000" cy="9144000"/>
@@ -7821,59 +7820,6 @@
       </p:grpSpPr>
       <p:pic>
         <p:nvPicPr>
-          <p:cNvPr id="7" name="Content Placeholder 6"/>
-          <p:cNvPicPr>
-            <a:picLocks noGrp="1" noChangeAspect="1"/>
-          </p:cNvPicPr>
-          <p:nvPr>
-            <p:ph idx="1"/>
-          </p:nvPr>
-        </p:nvPicPr>
-        <p:blipFill>
-          <a:blip r:embed="rId2"/>
-          <a:stretch>
-            <a:fillRect/>
-          </a:stretch>
-        </p:blipFill>
-        <p:spPr>
-          <a:xfrm>
-            <a:off x="2770910" y="0"/>
-            <a:ext cx="6677891" cy="6858000"/>
-          </a:xfrm>
-        </p:spPr>
-      </p:pic>
-    </p:spTree>
-    <p:extLst>
-      <p:ext uri="{BB962C8B-B14F-4D97-AF65-F5344CB8AC3E}">
-        <p14:creationId xmlns:p14="http://schemas.microsoft.com/office/powerpoint/2010/main" val="1075599276"/>
-      </p:ext>
-    </p:extLst>
-  </p:cSld>
-  <p:clrMapOvr>
-    <a:masterClrMapping/>
-  </p:clrMapOvr>
-</p:sld>
-</file>
-
-<file path=ppt/slides/slide11.xml><?xml version="1.0" encoding="utf-8"?>
-<p:sld xmlns:a="http://schemas.openxmlformats.org/drawingml/2006/main" xmlns:r="http://schemas.openxmlformats.org/officeDocument/2006/relationships" xmlns:p="http://schemas.openxmlformats.org/presentationml/2006/main">
-  <p:cSld>
-    <p:spTree>
-      <p:nvGrpSpPr>
-        <p:cNvPr id="1" name=""/>
-        <p:cNvGrpSpPr/>
-        <p:nvPr/>
-      </p:nvGrpSpPr>
-      <p:grpSpPr>
-        <a:xfrm>
-          <a:off x="0" y="0"/>
-          <a:ext cx="0" cy="0"/>
-          <a:chOff x="0" y="0"/>
-          <a:chExt cx="0" cy="0"/>
-        </a:xfrm>
-      </p:grpSpPr>
-      <p:pic>
-        <p:nvPicPr>
           <p:cNvPr id="4" name="Picture 3" descr="Screen Clipping"/>
           <p:cNvPicPr>
             <a:picLocks noChangeAspect="1"/>
@@ -8053,7 +7999,7 @@
           <a:p>
             <a:r>
               <a:rPr lang="en-US" dirty="0"/>
-              <a:t>Problems</a:t>
+              <a:t>Description</a:t>
             </a:r>
           </a:p>
         </p:txBody>
@@ -8068,54 +8014,57 @@
             <p:ph idx="1"/>
           </p:nvPr>
         </p:nvSpPr>
-        <p:spPr/>
+        <p:spPr>
+          <a:xfrm>
+            <a:off x="2589212" y="1905000"/>
+            <a:ext cx="8915400" cy="4006222"/>
+          </a:xfrm>
+        </p:spPr>
         <p:txBody>
           <a:bodyPr/>
           <a:lstStyle/>
           <a:p>
-            <a:pPr lvl="0" fontAlgn="base"/>
             <a:r>
               <a:rPr lang="en-US" dirty="0"/>
-              <a:t>Lack of capacity and technical expertise</a:t>
-            </a:r>
-          </a:p>
-          <a:p>
-            <a:pPr lvl="0" fontAlgn="base"/>
+              <a:t>Tracks relevant data from different NDRRMC independent systems (e.g. Logistics, Inventory, Procurement, etc.) </a:t>
+            </a:r>
+          </a:p>
+          <a:p>
             <a:endParaRPr lang="en-US" dirty="0"/>
           </a:p>
           <a:p>
-            <a:pPr lvl="0" fontAlgn="base"/>
             <a:r>
               <a:rPr lang="en-US" dirty="0"/>
-              <a:t>Lack of public awareness or the threats and impacts of all types of hazards</a:t>
-            </a:r>
-          </a:p>
-          <a:p>
-            <a:pPr lvl="0" fontAlgn="base"/>
+              <a:t>NDRRMC admin sends disaster advisory alert </a:t>
+            </a:r>
+          </a:p>
+          <a:p>
             <a:endParaRPr lang="en-US" dirty="0"/>
           </a:p>
           <a:p>
-            <a:pPr lvl="0" fontAlgn="base"/>
             <a:r>
               <a:rPr lang="en-US" dirty="0"/>
-              <a:t>Lack of necessary skills to cope with the impacts of disaster</a:t>
-            </a:r>
-          </a:p>
-          <a:p>
-            <a:pPr lvl="0" fontAlgn="base"/>
+              <a:t>LGU admins receive a notification about the upcoming disaster details</a:t>
+            </a:r>
+          </a:p>
+          <a:p>
             <a:endParaRPr lang="en-US" dirty="0"/>
           </a:p>
           <a:p>
-            <a:pPr lvl="0" fontAlgn="base"/>
             <a:r>
               <a:rPr lang="en-US" dirty="0"/>
-              <a:t>Lack of communication and coordination</a:t>
-            </a:r>
-          </a:p>
-          <a:p>
-            <a:pPr marL="0" indent="0">
-              <a:buNone/>
-            </a:pPr>
+              <a:t>LGU admins  evaluate and identify needed supplies</a:t>
+            </a:r>
+          </a:p>
+          <a:p>
+            <a:pPr lvl="1"/>
+            <a:r>
+              <a:rPr lang="en-US" dirty="0"/>
+              <a:t>Improves the planning process, correcting problems and obviating similar problems in the future</a:t>
+            </a:r>
+          </a:p>
+          <a:p>
+            <a:pPr lvl="1"/>
             <a:endParaRPr lang="en-US" dirty="0"/>
           </a:p>
         </p:txBody>
@@ -8123,7 +8072,7 @@
     </p:spTree>
     <p:extLst>
       <p:ext uri="{BB962C8B-B14F-4D97-AF65-F5344CB8AC3E}">
-        <p14:creationId xmlns:p14="http://schemas.microsoft.com/office/powerpoint/2010/main" val="4000227858"/>
+        <p14:creationId xmlns:p14="http://schemas.microsoft.com/office/powerpoint/2010/main" val="3352820250"/>
       </p:ext>
     </p:extLst>
   </p:cSld>
@@ -8167,7 +8116,7 @@
           <a:p>
             <a:r>
               <a:rPr lang="en-US" dirty="0"/>
-              <a:t>Description</a:t>
+              <a:t>Objectives</a:t>
             </a:r>
           </a:p>
         </p:txBody>
@@ -8182,54 +8131,46 @@
             <p:ph idx="1"/>
           </p:nvPr>
         </p:nvSpPr>
-        <p:spPr>
-          <a:xfrm>
-            <a:off x="2589212" y="1905000"/>
-            <a:ext cx="8915400" cy="4006222"/>
-          </a:xfrm>
-        </p:spPr>
-        <p:txBody>
-          <a:bodyPr/>
+        <p:spPr/>
+        <p:txBody>
+          <a:bodyPr>
+            <a:normAutofit/>
+          </a:bodyPr>
           <a:lstStyle/>
           <a:p>
             <a:r>
+              <a:rPr lang="en-US" i="1" dirty="0"/>
+              <a:t>General Objectives</a:t>
+            </a:r>
+          </a:p>
+          <a:p>
+            <a:pPr lvl="1"/>
+            <a:r>
               <a:rPr lang="en-US" dirty="0"/>
-              <a:t>Tracks relevant data from different NDRRMC independent systems (e.g. Logistics, Inventory, Procurement, etc.) </a:t>
-            </a:r>
-          </a:p>
-          <a:p>
+              <a:t>The NDRRMC Monitoring System is a system that can help NDRRMC to quickly give advisory to Local Government Units (LGU)</a:t>
+            </a:r>
+          </a:p>
+          <a:p>
+            <a:pPr lvl="1"/>
+            <a:r>
+              <a:rPr lang="en-US" dirty="0"/>
+              <a:t>LGUs can easily identify and request for supplies</a:t>
+            </a:r>
+            <a:endParaRPr lang="en-US" i="1" dirty="0"/>
+          </a:p>
+          <a:p>
+            <a:pPr marL="57150" indent="0">
+              <a:buNone/>
+            </a:pPr>
+            <a:r>
+              <a:rPr lang="en-US" i="1" dirty="0"/>
+              <a:t>		</a:t>
+            </a:r>
             <a:endParaRPr lang="en-US" dirty="0"/>
           </a:p>
           <a:p>
-            <a:r>
-              <a:rPr lang="en-US" dirty="0"/>
-              <a:t>NDRRMC admin sends disaster advisory alert </a:t>
-            </a:r>
-          </a:p>
-          <a:p>
+            <a:pPr lvl="1"/>
             <a:endParaRPr lang="en-US" dirty="0"/>
-          </a:p>
-          <a:p>
-            <a:r>
-              <a:rPr lang="en-US" dirty="0"/>
-              <a:t>LGU admins receive a notification about the upcoming disaster details</a:t>
-            </a:r>
-          </a:p>
-          <a:p>
-            <a:endParaRPr lang="en-US" dirty="0"/>
-          </a:p>
-          <a:p>
-            <a:r>
-              <a:rPr lang="en-US" dirty="0"/>
-              <a:t>LGU admins  evaluate and identify needed supplies</a:t>
-            </a:r>
-          </a:p>
-          <a:p>
-            <a:pPr lvl="1"/>
-            <a:r>
-              <a:rPr lang="en-US" dirty="0"/>
-              <a:t>Improves the planning process, correcting problems and obviating similar problems in the future</a:t>
-            </a:r>
           </a:p>
           <a:p>
             <a:pPr lvl="1"/>
@@ -8240,7 +8181,7 @@
     </p:spTree>
     <p:extLst>
       <p:ext uri="{BB962C8B-B14F-4D97-AF65-F5344CB8AC3E}">
-        <p14:creationId xmlns:p14="http://schemas.microsoft.com/office/powerpoint/2010/main" val="3352820250"/>
+        <p14:creationId xmlns:p14="http://schemas.microsoft.com/office/powerpoint/2010/main" val="2109971138"/>
       </p:ext>
     </p:extLst>
   </p:cSld>
@@ -8284,7 +8225,7 @@
           <a:p>
             <a:r>
               <a:rPr lang="en-US" dirty="0"/>
-              <a:t>Objectives</a:t>
+              <a:t>Scope</a:t>
             </a:r>
           </a:p>
         </p:txBody>
@@ -8301,55 +8242,47 @@
         </p:nvSpPr>
         <p:spPr/>
         <p:txBody>
-          <a:bodyPr>
-            <a:normAutofit/>
-          </a:bodyPr>
+          <a:bodyPr/>
           <a:lstStyle/>
           <a:p>
             <a:r>
-              <a:rPr lang="en-US" i="1" dirty="0"/>
-              <a:t>General Objectives</a:t>
-            </a:r>
-          </a:p>
-          <a:p>
-            <a:pPr lvl="1"/>
-            <a:r>
               <a:rPr lang="en-US" dirty="0"/>
-              <a:t>The NDRRMC Monitoring System is a system that can help NDRRMC to quickly give advisory to Local Government Units (LGU)</a:t>
-            </a:r>
-          </a:p>
-          <a:p>
-            <a:pPr lvl="1"/>
+              <a:t>Registration of account for Local Government Unit (LGU) admin</a:t>
+            </a:r>
+          </a:p>
+          <a:p>
+            <a:endParaRPr lang="en-US" dirty="0"/>
+          </a:p>
+          <a:p>
             <a:r>
               <a:rPr lang="en-US" dirty="0"/>
-              <a:t>LGUs can easily identify and request for supplies</a:t>
-            </a:r>
-            <a:endParaRPr lang="en-US" i="1" dirty="0"/>
-          </a:p>
-          <a:p>
-            <a:pPr marL="57150" indent="0">
-              <a:buNone/>
-            </a:pPr>
-            <a:r>
-              <a:rPr lang="en-US" i="1" dirty="0"/>
-              <a:t>		</a:t>
-            </a:r>
+              <a:t>NDRRMC admin send advisory to LGU admin</a:t>
+            </a:r>
+          </a:p>
+          <a:p>
             <a:endParaRPr lang="en-US" dirty="0"/>
           </a:p>
           <a:p>
-            <a:pPr lvl="1"/>
+            <a:r>
+              <a:rPr lang="en-US" dirty="0"/>
+              <a:t>LGU admin requests for supplies</a:t>
+            </a:r>
+          </a:p>
+          <a:p>
             <a:endParaRPr lang="en-US" dirty="0"/>
           </a:p>
           <a:p>
-            <a:pPr lvl="1"/>
-            <a:endParaRPr lang="en-US" dirty="0"/>
+            <a:r>
+              <a:rPr lang="en-US" dirty="0"/>
+              <a:t>Monitoring System produces summary reports using Business Intelligence (BI) Tool</a:t>
+            </a:r>
           </a:p>
         </p:txBody>
       </p:sp>
     </p:spTree>
     <p:extLst>
       <p:ext uri="{BB962C8B-B14F-4D97-AF65-F5344CB8AC3E}">
-        <p14:creationId xmlns:p14="http://schemas.microsoft.com/office/powerpoint/2010/main" val="2109971138"/>
+        <p14:creationId xmlns:p14="http://schemas.microsoft.com/office/powerpoint/2010/main" val="3054213346"/>
       </p:ext>
     </p:extLst>
   </p:cSld>
@@ -8393,107 +8326,6 @@
           <a:p>
             <a:r>
               <a:rPr lang="en-US" dirty="0"/>
-              <a:t>Scope</a:t>
-            </a:r>
-          </a:p>
-        </p:txBody>
-      </p:sp>
-      <p:sp>
-        <p:nvSpPr>
-          <p:cNvPr id="3" name="Content Placeholder 2"/>
-          <p:cNvSpPr>
-            <a:spLocks noGrp="1"/>
-          </p:cNvSpPr>
-          <p:nvPr>
-            <p:ph idx="1"/>
-          </p:nvPr>
-        </p:nvSpPr>
-        <p:spPr/>
-        <p:txBody>
-          <a:bodyPr/>
-          <a:lstStyle/>
-          <a:p>
-            <a:r>
-              <a:rPr lang="en-US" dirty="0"/>
-              <a:t>Registration of account for Local Government Unit (LGU) admin</a:t>
-            </a:r>
-          </a:p>
-          <a:p>
-            <a:endParaRPr lang="en-US" dirty="0"/>
-          </a:p>
-          <a:p>
-            <a:r>
-              <a:rPr lang="en-US" dirty="0"/>
-              <a:t>NDRRMC admin send advisory to LGU admin</a:t>
-            </a:r>
-          </a:p>
-          <a:p>
-            <a:endParaRPr lang="en-US" dirty="0"/>
-          </a:p>
-          <a:p>
-            <a:r>
-              <a:rPr lang="en-US" dirty="0"/>
-              <a:t>LGU admin requests for supplies</a:t>
-            </a:r>
-          </a:p>
-          <a:p>
-            <a:endParaRPr lang="en-US" dirty="0"/>
-          </a:p>
-          <a:p>
-            <a:r>
-              <a:rPr lang="en-US" dirty="0"/>
-              <a:t>Monitoring System produces summary reports using Business Intelligence (BI) Tool</a:t>
-            </a:r>
-          </a:p>
-        </p:txBody>
-      </p:sp>
-    </p:spTree>
-    <p:extLst>
-      <p:ext uri="{BB962C8B-B14F-4D97-AF65-F5344CB8AC3E}">
-        <p14:creationId xmlns:p14="http://schemas.microsoft.com/office/powerpoint/2010/main" val="3054213346"/>
-      </p:ext>
-    </p:extLst>
-  </p:cSld>
-  <p:clrMapOvr>
-    <a:masterClrMapping/>
-  </p:clrMapOvr>
-</p:sld>
-</file>
-
-<file path=ppt/slides/slide7.xml><?xml version="1.0" encoding="utf-8"?>
-<p:sld xmlns:a="http://schemas.openxmlformats.org/drawingml/2006/main" xmlns:r="http://schemas.openxmlformats.org/officeDocument/2006/relationships" xmlns:p="http://schemas.openxmlformats.org/presentationml/2006/main">
-  <p:cSld>
-    <p:spTree>
-      <p:nvGrpSpPr>
-        <p:cNvPr id="1" name=""/>
-        <p:cNvGrpSpPr/>
-        <p:nvPr/>
-      </p:nvGrpSpPr>
-      <p:grpSpPr>
-        <a:xfrm>
-          <a:off x="0" y="0"/>
-          <a:ext cx="0" cy="0"/>
-          <a:chOff x="0" y="0"/>
-          <a:chExt cx="0" cy="0"/>
-        </a:xfrm>
-      </p:grpSpPr>
-      <p:sp>
-        <p:nvSpPr>
-          <p:cNvPr id="2" name="Title 1"/>
-          <p:cNvSpPr>
-            <a:spLocks noGrp="1"/>
-          </p:cNvSpPr>
-          <p:nvPr>
-            <p:ph type="title"/>
-          </p:nvPr>
-        </p:nvSpPr>
-        <p:spPr/>
-        <p:txBody>
-          <a:bodyPr/>
-          <a:lstStyle/>
-          <a:p>
-            <a:r>
-              <a:rPr lang="en-US" dirty="0"/>
               <a:t>Data Warehousing</a:t>
             </a:r>
           </a:p>
@@ -8531,7 +8363,7 @@
 </p:sld>
 </file>
 
-<file path=ppt/slides/slide8.xml><?xml version="1.0" encoding="utf-8"?>
+<file path=ppt/slides/slide7.xml><?xml version="1.0" encoding="utf-8"?>
 <p:sld xmlns:a="http://schemas.openxmlformats.org/drawingml/2006/main" xmlns:r="http://schemas.openxmlformats.org/officeDocument/2006/relationships" xmlns:p="http://schemas.openxmlformats.org/presentationml/2006/main">
   <p:cSld>
     <p:spTree>
@@ -8591,6 +8423,89 @@
 </p:sld>
 </file>
 
+<file path=ppt/slides/slide8.xml><?xml version="1.0" encoding="utf-8"?>
+<p:sld xmlns:a="http://schemas.openxmlformats.org/drawingml/2006/main" xmlns:r="http://schemas.openxmlformats.org/officeDocument/2006/relationships" xmlns:p="http://schemas.openxmlformats.org/presentationml/2006/main">
+  <p:cSld>
+    <p:spTree>
+      <p:nvGrpSpPr>
+        <p:cNvPr id="1" name=""/>
+        <p:cNvGrpSpPr/>
+        <p:nvPr/>
+      </p:nvGrpSpPr>
+      <p:grpSpPr>
+        <a:xfrm>
+          <a:off x="0" y="0"/>
+          <a:ext cx="0" cy="0"/>
+          <a:chOff x="0" y="0"/>
+          <a:chExt cx="0" cy="0"/>
+        </a:xfrm>
+      </p:grpSpPr>
+      <p:sp>
+        <p:nvSpPr>
+          <p:cNvPr id="2" name="Title 1"/>
+          <p:cNvSpPr>
+            <a:spLocks noGrp="1"/>
+          </p:cNvSpPr>
+          <p:nvPr>
+            <p:ph type="title"/>
+          </p:nvPr>
+        </p:nvSpPr>
+        <p:spPr/>
+        <p:txBody>
+          <a:bodyPr/>
+          <a:lstStyle/>
+          <a:p>
+            <a:r>
+              <a:rPr lang="en-US" dirty="0"/>
+              <a:t>Business Intelligence (BI) Tool</a:t>
+            </a:r>
+          </a:p>
+        </p:txBody>
+      </p:sp>
+      <p:sp>
+        <p:nvSpPr>
+          <p:cNvPr id="3" name="Content Placeholder 2"/>
+          <p:cNvSpPr>
+            <a:spLocks noGrp="1"/>
+          </p:cNvSpPr>
+          <p:nvPr>
+            <p:ph idx="1"/>
+          </p:nvPr>
+        </p:nvSpPr>
+        <p:spPr/>
+        <p:txBody>
+          <a:bodyPr/>
+          <a:lstStyle/>
+          <a:p>
+            <a:r>
+              <a:rPr lang="en-US" dirty="0"/>
+              <a:t>IBM Watson</a:t>
+            </a:r>
+          </a:p>
+          <a:p>
+            <a:r>
+              <a:rPr lang="en-US" dirty="0"/>
+              <a:t>Pentaho</a:t>
+            </a:r>
+          </a:p>
+          <a:p>
+            <a:endParaRPr lang="en-US" dirty="0"/>
+          </a:p>
+        </p:txBody>
+      </p:sp>
+    </p:spTree>
+    <p:extLst>
+      <p:ext uri="{BB962C8B-B14F-4D97-AF65-F5344CB8AC3E}">
+        <p14:creationId xmlns:p14="http://schemas.microsoft.com/office/powerpoint/2010/main" val="1707736663"/>
+      </p:ext>
+    </p:extLst>
+  </p:cSld>
+  <p:clrMapOvr>
+    <a:masterClrMapping/>
+  </p:clrMapOvr>
+</p:sld>
+</file>
+
 <file path=ppt/slides/slide9.xml><?xml version="1.0" encoding="utf-8"?>
 <p:sld xmlns:a="http://schemas.openxmlformats.org/drawingml/2006/main" xmlns:r="http://schemas.openxmlformats.org/officeDocument/2006/relationships" xmlns:p="http://schemas.openxmlformats.org/presentationml/2006/main">
   <p:cSld>
@@ -8608,63 +8523,33 @@
           <a:chExt cx="0" cy="0"/>
         </a:xfrm>
       </p:grpSpPr>
-      <p:sp>
-        <p:nvSpPr>
-          <p:cNvPr id="2" name="Title 1"/>
-          <p:cNvSpPr>
-            <a:spLocks noGrp="1"/>
-          </p:cNvSpPr>
-          <p:nvPr>
-            <p:ph type="title"/>
-          </p:nvPr>
-        </p:nvSpPr>
-        <p:spPr/>
-        <p:txBody>
-          <a:bodyPr/>
-          <a:lstStyle/>
-          <a:p>
-            <a:r>
-              <a:rPr lang="en-US" dirty="0"/>
-              <a:t>Business Intelligence (BI) Tool</a:t>
-            </a:r>
-          </a:p>
-        </p:txBody>
-      </p:sp>
-      <p:sp>
-        <p:nvSpPr>
-          <p:cNvPr id="3" name="Content Placeholder 2"/>
-          <p:cNvSpPr>
-            <a:spLocks noGrp="1"/>
-          </p:cNvSpPr>
+      <p:pic>
+        <p:nvPicPr>
+          <p:cNvPr id="7" name="Content Placeholder 6"/>
+          <p:cNvPicPr>
+            <a:picLocks noGrp="1" noChangeAspect="1"/>
+          </p:cNvPicPr>
           <p:nvPr>
             <p:ph idx="1"/>
           </p:nvPr>
-        </p:nvSpPr>
-        <p:spPr/>
-        <p:txBody>
-          <a:bodyPr/>
-          <a:lstStyle/>
-          <a:p>
-            <a:r>
-              <a:rPr lang="en-US" dirty="0"/>
-              <a:t>IBM Watson</a:t>
-            </a:r>
-          </a:p>
-          <a:p>
-            <a:r>
-              <a:rPr lang="en-US" dirty="0"/>
-              <a:t>Pentaho</a:t>
-            </a:r>
-          </a:p>
-          <a:p>
-            <a:endParaRPr lang="en-US" dirty="0"/>
-          </a:p>
-        </p:txBody>
-      </p:sp>
+        </p:nvPicPr>
+        <p:blipFill>
+          <a:blip r:embed="rId2"/>
+          <a:stretch>
+            <a:fillRect/>
+          </a:stretch>
+        </p:blipFill>
+        <p:spPr>
+          <a:xfrm>
+            <a:off x="2770910" y="0"/>
+            <a:ext cx="6677891" cy="6858000"/>
+          </a:xfrm>
+        </p:spPr>
+      </p:pic>
     </p:spTree>
     <p:extLst>
       <p:ext uri="{BB962C8B-B14F-4D97-AF65-F5344CB8AC3E}">
-        <p14:creationId xmlns:p14="http://schemas.microsoft.com/office/powerpoint/2010/main" val="1707736663"/>
+        <p14:creationId xmlns:p14="http://schemas.microsoft.com/office/powerpoint/2010/main" val="1075599276"/>
       </p:ext>
     </p:extLst>
   </p:cSld>

--- a/NDRRMC Monitoring Systemv2.pptx
+++ b/NDRRMC Monitoring Systemv2.pptx
@@ -7,14 +7,15 @@
   <p:sldIdLst>
     <p:sldId id="256" r:id="rId2"/>
     <p:sldId id="267" r:id="rId3"/>
-    <p:sldId id="265" r:id="rId4"/>
-    <p:sldId id="266" r:id="rId5"/>
-    <p:sldId id="269" r:id="rId6"/>
-    <p:sldId id="270" r:id="rId7"/>
-    <p:sldId id="260" r:id="rId8"/>
-    <p:sldId id="271" r:id="rId9"/>
-    <p:sldId id="257" r:id="rId10"/>
-    <p:sldId id="259" r:id="rId11"/>
+    <p:sldId id="272" r:id="rId4"/>
+    <p:sldId id="265" r:id="rId5"/>
+    <p:sldId id="266" r:id="rId6"/>
+    <p:sldId id="269" r:id="rId7"/>
+    <p:sldId id="270" r:id="rId8"/>
+    <p:sldId id="260" r:id="rId9"/>
+    <p:sldId id="271" r:id="rId10"/>
+    <p:sldId id="257" r:id="rId11"/>
+    <p:sldId id="259" r:id="rId12"/>
   </p:sldIdLst>
   <p:sldSz cx="12192000" cy="6858000"/>
   <p:notesSz cx="6858000" cy="9144000"/>
@@ -310,7 +311,7 @@
             <a:fld id="{08B9EBBA-996F-894A-B54A-D6246ED52CEA}" type="datetimeFigureOut">
               <a:rPr lang="en-US" smtClean="0"/>
               <a:pPr/>
-              <a:t>2/20/2017</a:t>
+              <a:t>2/21/2017</a:t>
             </a:fld>
             <a:endParaRPr lang="en-US" dirty="0"/>
           </a:p>
@@ -650,7 +651,7 @@
             <a:fld id="{09B482E8-6E0E-1B4F-B1FD-C69DB9E858D9}" type="datetimeFigureOut">
               <a:rPr lang="en-US" smtClean="0"/>
               <a:pPr/>
-              <a:t>2/20/2017</a:t>
+              <a:t>2/21/2017</a:t>
             </a:fld>
             <a:endParaRPr lang="en-US" dirty="0"/>
           </a:p>
@@ -1054,7 +1055,7 @@
             <a:fld id="{8DFA1846-DA80-1C48-A609-854EA85C59AD}" type="datetimeFigureOut">
               <a:rPr lang="en-US" smtClean="0"/>
               <a:pPr/>
-              <a:t>2/20/2017</a:t>
+              <a:t>2/21/2017</a:t>
             </a:fld>
             <a:endParaRPr lang="en-US" dirty="0"/>
           </a:p>
@@ -1392,7 +1393,7 @@
             <a:fld id="{FBF54567-0DE4-3F47-BF90-CB84690072F9}" type="datetimeFigureOut">
               <a:rPr lang="en-US" smtClean="0"/>
               <a:pPr/>
-              <a:t>2/20/2017</a:t>
+              <a:t>2/21/2017</a:t>
             </a:fld>
             <a:endParaRPr lang="en-US" dirty="0"/>
           </a:p>
@@ -1714,7 +1715,7 @@
             <a:fld id="{09B482E8-6E0E-1B4F-B1FD-C69DB9E858D9}" type="datetimeFigureOut">
               <a:rPr lang="en-US" smtClean="0"/>
               <a:pPr/>
-              <a:t>2/20/2017</a:t>
+              <a:t>2/21/2017</a:t>
             </a:fld>
             <a:endParaRPr lang="en-US" dirty="0"/>
           </a:p>
@@ -2113,7 +2114,7 @@
             <a:fld id="{09B482E8-6E0E-1B4F-B1FD-C69DB9E858D9}" type="datetimeFigureOut">
               <a:rPr lang="en-US" smtClean="0"/>
               <a:pPr/>
-              <a:t>2/20/2017</a:t>
+              <a:t>2/21/2017</a:t>
             </a:fld>
             <a:endParaRPr lang="en-US" dirty="0"/>
           </a:p>
@@ -2373,7 +2374,7 @@
             <a:fld id="{C6C52C72-DE31-F449-A4ED-4C594FD91407}" type="datetimeFigureOut">
               <a:rPr lang="en-US" smtClean="0"/>
               <a:pPr/>
-              <a:t>2/20/2017</a:t>
+              <a:t>2/21/2017</a:t>
             </a:fld>
             <a:endParaRPr lang="en-US" dirty="0"/>
           </a:p>
@@ -2637,7 +2638,7 @@
             <a:fld id="{ED62726E-379B-B349-9EED-81ED093FA806}" type="datetimeFigureOut">
               <a:rPr lang="en-US" smtClean="0"/>
               <a:pPr/>
-              <a:t>2/20/2017</a:t>
+              <a:t>2/21/2017</a:t>
             </a:fld>
             <a:endParaRPr lang="en-US" dirty="0"/>
           </a:p>
@@ -2901,7 +2902,7 @@
             <a:fld id="{9B3A1323-8D79-1946-B0D7-40001CF92E9D}" type="datetimeFigureOut">
               <a:rPr lang="en-US" smtClean="0"/>
               <a:pPr/>
-              <a:t>2/20/2017</a:t>
+              <a:t>2/21/2017</a:t>
             </a:fld>
             <a:endParaRPr lang="en-US" dirty="0"/>
           </a:p>
@@ -3232,7 +3233,7 @@
             <a:fld id="{8DFA1846-DA80-1C48-A609-854EA85C59AD}" type="datetimeFigureOut">
               <a:rPr lang="en-US" smtClean="0"/>
               <a:pPr/>
-              <a:t>2/20/2017</a:t>
+              <a:t>2/21/2017</a:t>
             </a:fld>
             <a:endParaRPr lang="en-US" dirty="0"/>
           </a:p>
@@ -3557,7 +3558,7 @@
             <a:fld id="{57302355-E14B-8545-A8F8-0FE83CC9D524}" type="datetimeFigureOut">
               <a:rPr lang="en-US" smtClean="0"/>
               <a:pPr/>
-              <a:t>2/20/2017</a:t>
+              <a:t>2/21/2017</a:t>
             </a:fld>
             <a:endParaRPr lang="en-US" dirty="0"/>
           </a:p>
@@ -4016,7 +4017,7 @@
             <a:fld id="{02640F58-564D-2B4F-AE67-E407BA4FCF45}" type="datetimeFigureOut">
               <a:rPr lang="en-US" smtClean="0"/>
               <a:pPr/>
-              <a:t>2/20/2017</a:t>
+              <a:t>2/21/2017</a:t>
             </a:fld>
             <a:endParaRPr lang="en-US" dirty="0"/>
           </a:p>
@@ -4223,7 +4224,7 @@
             <a:fld id="{F13A34C8-038E-2045-AF43-DF7DBB8E0E9E}" type="datetimeFigureOut">
               <a:rPr lang="en-US" smtClean="0"/>
               <a:pPr/>
-              <a:t>2/20/2017</a:t>
+              <a:t>2/21/2017</a:t>
             </a:fld>
             <a:endParaRPr lang="en-US" dirty="0"/>
           </a:p>
@@ -4402,7 +4403,7 @@
             <a:fld id="{8818C68F-D26B-8F47-958C-23B49CF8A634}" type="datetimeFigureOut">
               <a:rPr lang="en-US" smtClean="0"/>
               <a:pPr/>
-              <a:t>2/20/2017</a:t>
+              <a:t>2/21/2017</a:t>
             </a:fld>
             <a:endParaRPr lang="en-US" dirty="0"/>
           </a:p>
@@ -4737,7 +4738,7 @@
             <a:fld id="{D0DF5E60-9974-AC48-9591-99C2BB44B7CF}" type="datetimeFigureOut">
               <a:rPr lang="en-US" smtClean="0"/>
               <a:pPr/>
-              <a:t>2/20/2017</a:t>
+              <a:t>2/21/2017</a:t>
             </a:fld>
             <a:endParaRPr lang="en-US" dirty="0"/>
           </a:p>
@@ -5084,7 +5085,7 @@
             <a:fld id="{18C79C5D-2A6F-F04D-97DA-BEF2467B64E4}" type="datetimeFigureOut">
               <a:rPr lang="en-US" smtClean="0"/>
               <a:pPr/>
-              <a:t>2/20/2017</a:t>
+              <a:t>2/21/2017</a:t>
             </a:fld>
             <a:endParaRPr lang="en-US" dirty="0"/>
           </a:p>
@@ -7203,7 +7204,7 @@
             <a:fld id="{09B482E8-6E0E-1B4F-B1FD-C69DB9E858D9}" type="datetimeFigureOut">
               <a:rPr lang="en-US" smtClean="0"/>
               <a:pPr/>
-              <a:t>2/20/2017</a:t>
+              <a:t>2/21/2017</a:t>
             </a:fld>
             <a:endParaRPr lang="en-US" dirty="0"/>
           </a:p>
@@ -7820,6 +7821,59 @@
       </p:grpSpPr>
       <p:pic>
         <p:nvPicPr>
+          <p:cNvPr id="7" name="Content Placeholder 6"/>
+          <p:cNvPicPr>
+            <a:picLocks noGrp="1" noChangeAspect="1"/>
+          </p:cNvPicPr>
+          <p:nvPr>
+            <p:ph idx="1"/>
+          </p:nvPr>
+        </p:nvPicPr>
+        <p:blipFill>
+          <a:blip r:embed="rId2"/>
+          <a:stretch>
+            <a:fillRect/>
+          </a:stretch>
+        </p:blipFill>
+        <p:spPr>
+          <a:xfrm>
+            <a:off x="2770910" y="0"/>
+            <a:ext cx="6677891" cy="6858000"/>
+          </a:xfrm>
+        </p:spPr>
+      </p:pic>
+    </p:spTree>
+    <p:extLst>
+      <p:ext uri="{BB962C8B-B14F-4D97-AF65-F5344CB8AC3E}">
+        <p14:creationId xmlns:p14="http://schemas.microsoft.com/office/powerpoint/2010/main" val="1075599276"/>
+      </p:ext>
+    </p:extLst>
+  </p:cSld>
+  <p:clrMapOvr>
+    <a:masterClrMapping/>
+  </p:clrMapOvr>
+</p:sld>
+</file>
+
+<file path=ppt/slides/slide11.xml><?xml version="1.0" encoding="utf-8"?>
+<p:sld xmlns:a="http://schemas.openxmlformats.org/drawingml/2006/main" xmlns:r="http://schemas.openxmlformats.org/officeDocument/2006/relationships" xmlns:p="http://schemas.openxmlformats.org/presentationml/2006/main">
+  <p:cSld>
+    <p:spTree>
+      <p:nvGrpSpPr>
+        <p:cNvPr id="1" name=""/>
+        <p:cNvGrpSpPr/>
+        <p:nvPr/>
+      </p:nvGrpSpPr>
+      <p:grpSpPr>
+        <a:xfrm>
+          <a:off x="0" y="0"/>
+          <a:ext cx="0" cy="0"/>
+          <a:chOff x="0" y="0"/>
+          <a:chExt cx="0" cy="0"/>
+        </a:xfrm>
+      </p:grpSpPr>
+      <p:pic>
+        <p:nvPicPr>
           <p:cNvPr id="4" name="Picture 3" descr="Screen Clipping"/>
           <p:cNvPicPr>
             <a:picLocks noChangeAspect="1"/>
@@ -7999,7 +8053,7 @@
           <a:p>
             <a:r>
               <a:rPr lang="en-US" dirty="0"/>
-              <a:t>Description</a:t>
+              <a:t>Problems</a:t>
             </a:r>
           </a:p>
         </p:txBody>
@@ -8013,58 +8067,64 @@
           <p:nvPr>
             <p:ph idx="1"/>
           </p:nvPr>
+        </p:nvSpPr>
+        <p:spPr/>
+        <p:txBody>
+          <a:bodyPr/>
+          <a:lstStyle/>
+          <a:p>
+            <a:r>
+              <a:rPr lang="en-US" dirty="0"/>
+              <a:t>Lack of public awareness or the threats and impacts of all types of hazards</a:t>
+            </a:r>
+          </a:p>
+          <a:p>
+            <a:endParaRPr lang="en-US" dirty="0"/>
+          </a:p>
+          <a:p>
+            <a:r>
+              <a:rPr lang="en-US" dirty="0"/>
+              <a:t>Lack of preventive technical DRRM mechanisms</a:t>
+            </a:r>
+          </a:p>
+          <a:p>
+            <a:endParaRPr lang="en-US" dirty="0"/>
+          </a:p>
+          <a:p>
+            <a:r>
+              <a:rPr lang="en-US" dirty="0"/>
+              <a:t>Lack of coordination and communication among DRMM stakeholders</a:t>
+            </a:r>
+          </a:p>
+        </p:txBody>
+      </p:sp>
+      <p:sp>
+        <p:nvSpPr>
+          <p:cNvPr id="4" name="TextBox 3"/>
+          <p:cNvSpPr txBox="1"/>
+          <p:nvPr/>
         </p:nvSpPr>
         <p:spPr>
           <a:xfrm>
-            <a:off x="2589212" y="1905000"/>
-            <a:ext cx="8915400" cy="4006222"/>
+            <a:off x="742122" y="6488668"/>
+            <a:ext cx="11449878" cy="369332"/>
           </a:xfrm>
+          <a:prstGeom prst="rect">
+            <a:avLst/>
+          </a:prstGeom>
+          <a:noFill/>
         </p:spPr>
         <p:txBody>
-          <a:bodyPr/>
+          <a:bodyPr wrap="square" rtlCol="0">
+            <a:spAutoFit/>
+          </a:bodyPr>
           <a:lstStyle/>
           <a:p>
+            <a:pPr algn="r"/>
             <a:r>
               <a:rPr lang="en-US" dirty="0"/>
-              <a:t>Tracks relevant data from different NDRRMC independent systems (e.g. Logistics, Inventory, Procurement, etc.) </a:t>
-            </a:r>
-          </a:p>
-          <a:p>
-            <a:endParaRPr lang="en-US" dirty="0"/>
-          </a:p>
-          <a:p>
-            <a:r>
-              <a:rPr lang="en-US" dirty="0"/>
-              <a:t>NDRRMC admin sends disaster advisory alert </a:t>
-            </a:r>
-          </a:p>
-          <a:p>
-            <a:endParaRPr lang="en-US" dirty="0"/>
-          </a:p>
-          <a:p>
-            <a:r>
-              <a:rPr lang="en-US" dirty="0"/>
-              <a:t>LGU admins receive a notification about the upcoming disaster details</a:t>
-            </a:r>
-          </a:p>
-          <a:p>
-            <a:endParaRPr lang="en-US" dirty="0"/>
-          </a:p>
-          <a:p>
-            <a:r>
-              <a:rPr lang="en-US" dirty="0"/>
-              <a:t>LGU admins  evaluate and identify needed supplies</a:t>
-            </a:r>
-          </a:p>
-          <a:p>
-            <a:pPr lvl="1"/>
-            <a:r>
-              <a:rPr lang="en-US" dirty="0"/>
-              <a:t>Improves the planning process, correcting problems and obviating similar problems in the future</a:t>
-            </a:r>
-          </a:p>
-          <a:p>
-            <a:pPr lvl="1"/>
+              <a:t>Assessment of Disaster Risk Reduction and Management (DRRM) at the Local Level</a:t>
+            </a:r>
             <a:endParaRPr lang="en-US" dirty="0"/>
           </a:p>
         </p:txBody>
@@ -8072,7 +8132,7 @@
     </p:spTree>
     <p:extLst>
       <p:ext uri="{BB962C8B-B14F-4D97-AF65-F5344CB8AC3E}">
-        <p14:creationId xmlns:p14="http://schemas.microsoft.com/office/powerpoint/2010/main" val="3352820250"/>
+        <p14:creationId xmlns:p14="http://schemas.microsoft.com/office/powerpoint/2010/main" val="271406795"/>
       </p:ext>
     </p:extLst>
   </p:cSld>
@@ -8116,7 +8176,7 @@
           <a:p>
             <a:r>
               <a:rPr lang="en-US" dirty="0"/>
-              <a:t>Objectives</a:t>
+              <a:t>Description</a:t>
             </a:r>
           </a:p>
         </p:txBody>
@@ -8131,46 +8191,54 @@
             <p:ph idx="1"/>
           </p:nvPr>
         </p:nvSpPr>
-        <p:spPr/>
-        <p:txBody>
-          <a:bodyPr>
-            <a:normAutofit/>
-          </a:bodyPr>
+        <p:spPr>
+          <a:xfrm>
+            <a:off x="2589212" y="1905000"/>
+            <a:ext cx="8915400" cy="4006222"/>
+          </a:xfrm>
+        </p:spPr>
+        <p:txBody>
+          <a:bodyPr/>
           <a:lstStyle/>
           <a:p>
             <a:r>
-              <a:rPr lang="en-US" i="1" dirty="0"/>
-              <a:t>General Objectives</a:t>
+              <a:rPr lang="en-US" dirty="0"/>
+              <a:t>Tracks relevant data from different NDRRMC independent systems (e.g. Logistics, Inventory, Procurement, etc.) </a:t>
+            </a:r>
+          </a:p>
+          <a:p>
+            <a:endParaRPr lang="en-US" dirty="0"/>
+          </a:p>
+          <a:p>
+            <a:r>
+              <a:rPr lang="en-US" dirty="0"/>
+              <a:t>NDRRMC admin sends disaster advisory alert </a:t>
+            </a:r>
+          </a:p>
+          <a:p>
+            <a:endParaRPr lang="en-US" dirty="0"/>
+          </a:p>
+          <a:p>
+            <a:r>
+              <a:rPr lang="en-US" dirty="0"/>
+              <a:t>LGU admins receive a notification about the upcoming disaster details</a:t>
+            </a:r>
+          </a:p>
+          <a:p>
+            <a:endParaRPr lang="en-US" dirty="0"/>
+          </a:p>
+          <a:p>
+            <a:r>
+              <a:rPr lang="en-US" dirty="0"/>
+              <a:t>LGU admins  evaluate and identify needed supplies</a:t>
             </a:r>
           </a:p>
           <a:p>
             <a:pPr lvl="1"/>
             <a:r>
               <a:rPr lang="en-US" dirty="0"/>
-              <a:t>The NDRRMC Monitoring System is a system that can help NDRRMC to quickly give advisory to Local Government Units (LGU)</a:t>
-            </a:r>
-          </a:p>
-          <a:p>
-            <a:pPr lvl="1"/>
-            <a:r>
-              <a:rPr lang="en-US" dirty="0"/>
-              <a:t>LGUs can easily identify and request for supplies</a:t>
-            </a:r>
-            <a:endParaRPr lang="en-US" i="1" dirty="0"/>
-          </a:p>
-          <a:p>
-            <a:pPr marL="57150" indent="0">
-              <a:buNone/>
-            </a:pPr>
-            <a:r>
-              <a:rPr lang="en-US" i="1" dirty="0"/>
-              <a:t>		</a:t>
-            </a:r>
-            <a:endParaRPr lang="en-US" dirty="0"/>
-          </a:p>
-          <a:p>
-            <a:pPr lvl="1"/>
-            <a:endParaRPr lang="en-US" dirty="0"/>
+              <a:t>Improves the planning process, correcting problems and obviating similar problems in the future</a:t>
+            </a:r>
           </a:p>
           <a:p>
             <a:pPr lvl="1"/>
@@ -8181,7 +8249,7 @@
     </p:spTree>
     <p:extLst>
       <p:ext uri="{BB962C8B-B14F-4D97-AF65-F5344CB8AC3E}">
-        <p14:creationId xmlns:p14="http://schemas.microsoft.com/office/powerpoint/2010/main" val="2109971138"/>
+        <p14:creationId xmlns:p14="http://schemas.microsoft.com/office/powerpoint/2010/main" val="3352820250"/>
       </p:ext>
     </p:extLst>
   </p:cSld>
@@ -8225,7 +8293,7 @@
           <a:p>
             <a:r>
               <a:rPr lang="en-US" dirty="0"/>
-              <a:t>Scope</a:t>
+              <a:t>Objectives</a:t>
             </a:r>
           </a:p>
         </p:txBody>
@@ -8242,47 +8310,55 @@
         </p:nvSpPr>
         <p:spPr/>
         <p:txBody>
-          <a:bodyPr/>
+          <a:bodyPr>
+            <a:normAutofit/>
+          </a:bodyPr>
           <a:lstStyle/>
           <a:p>
             <a:r>
+              <a:rPr lang="en-US" i="1" dirty="0"/>
+              <a:t>General Objectives</a:t>
+            </a:r>
+          </a:p>
+          <a:p>
+            <a:pPr lvl="1"/>
+            <a:r>
               <a:rPr lang="en-US" dirty="0"/>
-              <a:t>Registration of account for Local Government Unit (LGU) admin</a:t>
-            </a:r>
-          </a:p>
-          <a:p>
-            <a:endParaRPr lang="en-US" dirty="0"/>
-          </a:p>
-          <a:p>
+              <a:t>The NDRRMC Monitoring System is a system that can help NDRRMC to quickly give advisory to Local Government Units (LGU)</a:t>
+            </a:r>
+          </a:p>
+          <a:p>
+            <a:pPr lvl="1"/>
             <a:r>
               <a:rPr lang="en-US" dirty="0"/>
-              <a:t>NDRRMC admin send advisory to LGU admin</a:t>
-            </a:r>
-          </a:p>
-          <a:p>
-            <a:endParaRPr lang="en-US" dirty="0"/>
-          </a:p>
-          <a:p>
-            <a:r>
-              <a:rPr lang="en-US" dirty="0"/>
-              <a:t>LGU admin requests for supplies</a:t>
-            </a:r>
-          </a:p>
-          <a:p>
-            <a:endParaRPr lang="en-US" dirty="0"/>
-          </a:p>
-          <a:p>
-            <a:r>
-              <a:rPr lang="en-US" dirty="0"/>
-              <a:t>Monitoring System produces summary reports using Business Intelligence (BI) Tool</a:t>
-            </a:r>
+              <a:t>LGUs can easily identify and request for supplies</a:t>
+            </a:r>
+            <a:endParaRPr lang="en-US" i="1" dirty="0"/>
+          </a:p>
+          <a:p>
+            <a:pPr marL="57150" indent="0">
+              <a:buNone/>
+            </a:pPr>
+            <a:r>
+              <a:rPr lang="en-US" i="1" dirty="0"/>
+              <a:t>		</a:t>
+            </a:r>
+            <a:endParaRPr lang="en-US" dirty="0"/>
+          </a:p>
+          <a:p>
+            <a:pPr lvl="1"/>
+            <a:endParaRPr lang="en-US" dirty="0"/>
+          </a:p>
+          <a:p>
+            <a:pPr lvl="1"/>
+            <a:endParaRPr lang="en-US" dirty="0"/>
           </a:p>
         </p:txBody>
       </p:sp>
     </p:spTree>
     <p:extLst>
       <p:ext uri="{BB962C8B-B14F-4D97-AF65-F5344CB8AC3E}">
-        <p14:creationId xmlns:p14="http://schemas.microsoft.com/office/powerpoint/2010/main" val="3054213346"/>
+        <p14:creationId xmlns:p14="http://schemas.microsoft.com/office/powerpoint/2010/main" val="2109971138"/>
       </p:ext>
     </p:extLst>
   </p:cSld>
@@ -8326,6 +8402,107 @@
           <a:p>
             <a:r>
               <a:rPr lang="en-US" dirty="0"/>
+              <a:t>Scope</a:t>
+            </a:r>
+          </a:p>
+        </p:txBody>
+      </p:sp>
+      <p:sp>
+        <p:nvSpPr>
+          <p:cNvPr id="3" name="Content Placeholder 2"/>
+          <p:cNvSpPr>
+            <a:spLocks noGrp="1"/>
+          </p:cNvSpPr>
+          <p:nvPr>
+            <p:ph idx="1"/>
+          </p:nvPr>
+        </p:nvSpPr>
+        <p:spPr/>
+        <p:txBody>
+          <a:bodyPr/>
+          <a:lstStyle/>
+          <a:p>
+            <a:r>
+              <a:rPr lang="en-US" dirty="0"/>
+              <a:t>Registration of account for Local Government Unit (LGU) admin</a:t>
+            </a:r>
+          </a:p>
+          <a:p>
+            <a:endParaRPr lang="en-US" dirty="0"/>
+          </a:p>
+          <a:p>
+            <a:r>
+              <a:rPr lang="en-US" dirty="0"/>
+              <a:t>NDRRMC admin send advisory to LGU admin</a:t>
+            </a:r>
+          </a:p>
+          <a:p>
+            <a:endParaRPr lang="en-US" dirty="0"/>
+          </a:p>
+          <a:p>
+            <a:r>
+              <a:rPr lang="en-US" dirty="0"/>
+              <a:t>LGU admin requests for supplies</a:t>
+            </a:r>
+          </a:p>
+          <a:p>
+            <a:endParaRPr lang="en-US" dirty="0"/>
+          </a:p>
+          <a:p>
+            <a:r>
+              <a:rPr lang="en-US" dirty="0"/>
+              <a:t>Monitoring System produces summary reports using Business Intelligence (BI) Tool</a:t>
+            </a:r>
+          </a:p>
+        </p:txBody>
+      </p:sp>
+    </p:spTree>
+    <p:extLst>
+      <p:ext uri="{BB962C8B-B14F-4D97-AF65-F5344CB8AC3E}">
+        <p14:creationId xmlns:p14="http://schemas.microsoft.com/office/powerpoint/2010/main" val="3054213346"/>
+      </p:ext>
+    </p:extLst>
+  </p:cSld>
+  <p:clrMapOvr>
+    <a:masterClrMapping/>
+  </p:clrMapOvr>
+</p:sld>
+</file>
+
+<file path=ppt/slides/slide7.xml><?xml version="1.0" encoding="utf-8"?>
+<p:sld xmlns:a="http://schemas.openxmlformats.org/drawingml/2006/main" xmlns:r="http://schemas.openxmlformats.org/officeDocument/2006/relationships" xmlns:p="http://schemas.openxmlformats.org/presentationml/2006/main">
+  <p:cSld>
+    <p:spTree>
+      <p:nvGrpSpPr>
+        <p:cNvPr id="1" name=""/>
+        <p:cNvGrpSpPr/>
+        <p:nvPr/>
+      </p:nvGrpSpPr>
+      <p:grpSpPr>
+        <a:xfrm>
+          <a:off x="0" y="0"/>
+          <a:ext cx="0" cy="0"/>
+          <a:chOff x="0" y="0"/>
+          <a:chExt cx="0" cy="0"/>
+        </a:xfrm>
+      </p:grpSpPr>
+      <p:sp>
+        <p:nvSpPr>
+          <p:cNvPr id="2" name="Title 1"/>
+          <p:cNvSpPr>
+            <a:spLocks noGrp="1"/>
+          </p:cNvSpPr>
+          <p:nvPr>
+            <p:ph type="title"/>
+          </p:nvPr>
+        </p:nvSpPr>
+        <p:spPr/>
+        <p:txBody>
+          <a:bodyPr/>
+          <a:lstStyle/>
+          <a:p>
+            <a:r>
+              <a:rPr lang="en-US" dirty="0"/>
               <a:t>Data Warehousing</a:t>
             </a:r>
           </a:p>
@@ -8363,7 +8540,7 @@
 </p:sld>
 </file>
 
-<file path=ppt/slides/slide7.xml><?xml version="1.0" encoding="utf-8"?>
+<file path=ppt/slides/slide8.xml><?xml version="1.0" encoding="utf-8"?>
 <p:sld xmlns:a="http://schemas.openxmlformats.org/drawingml/2006/main" xmlns:r="http://schemas.openxmlformats.org/officeDocument/2006/relationships" xmlns:p="http://schemas.openxmlformats.org/presentationml/2006/main">
   <p:cSld>
     <p:spTree>
@@ -8423,89 +8600,6 @@
 </p:sld>
 </file>
 
-<file path=ppt/slides/slide8.xml><?xml version="1.0" encoding="utf-8"?>
-<p:sld xmlns:a="http://schemas.openxmlformats.org/drawingml/2006/main" xmlns:r="http://schemas.openxmlformats.org/officeDocument/2006/relationships" xmlns:p="http://schemas.openxmlformats.org/presentationml/2006/main">
-  <p:cSld>
-    <p:spTree>
-      <p:nvGrpSpPr>
-        <p:cNvPr id="1" name=""/>
-        <p:cNvGrpSpPr/>
-        <p:nvPr/>
-      </p:nvGrpSpPr>
-      <p:grpSpPr>
-        <a:xfrm>
-          <a:off x="0" y="0"/>
-          <a:ext cx="0" cy="0"/>
-          <a:chOff x="0" y="0"/>
-          <a:chExt cx="0" cy="0"/>
-        </a:xfrm>
-      </p:grpSpPr>
-      <p:sp>
-        <p:nvSpPr>
-          <p:cNvPr id="2" name="Title 1"/>
-          <p:cNvSpPr>
-            <a:spLocks noGrp="1"/>
-          </p:cNvSpPr>
-          <p:nvPr>
-            <p:ph type="title"/>
-          </p:nvPr>
-        </p:nvSpPr>
-        <p:spPr/>
-        <p:txBody>
-          <a:bodyPr/>
-          <a:lstStyle/>
-          <a:p>
-            <a:r>
-              <a:rPr lang="en-US" dirty="0"/>
-              <a:t>Business Intelligence (BI) Tool</a:t>
-            </a:r>
-          </a:p>
-        </p:txBody>
-      </p:sp>
-      <p:sp>
-        <p:nvSpPr>
-          <p:cNvPr id="3" name="Content Placeholder 2"/>
-          <p:cNvSpPr>
-            <a:spLocks noGrp="1"/>
-          </p:cNvSpPr>
-          <p:nvPr>
-            <p:ph idx="1"/>
-          </p:nvPr>
-        </p:nvSpPr>
-        <p:spPr/>
-        <p:txBody>
-          <a:bodyPr/>
-          <a:lstStyle/>
-          <a:p>
-            <a:r>
-              <a:rPr lang="en-US" dirty="0"/>
-              <a:t>IBM Watson</a:t>
-            </a:r>
-          </a:p>
-          <a:p>
-            <a:r>
-              <a:rPr lang="en-US" dirty="0"/>
-              <a:t>Pentaho</a:t>
-            </a:r>
-          </a:p>
-          <a:p>
-            <a:endParaRPr lang="en-US" dirty="0"/>
-          </a:p>
-        </p:txBody>
-      </p:sp>
-    </p:spTree>
-    <p:extLst>
-      <p:ext uri="{BB962C8B-B14F-4D97-AF65-F5344CB8AC3E}">
-        <p14:creationId xmlns:p14="http://schemas.microsoft.com/office/powerpoint/2010/main" val="1707736663"/>
-      </p:ext>
-    </p:extLst>
-  </p:cSld>
-  <p:clrMapOvr>
-    <a:masterClrMapping/>
-  </p:clrMapOvr>
-</p:sld>
-</file>
-
 <file path=ppt/slides/slide9.xml><?xml version="1.0" encoding="utf-8"?>
 <p:sld xmlns:a="http://schemas.openxmlformats.org/drawingml/2006/main" xmlns:r="http://schemas.openxmlformats.org/officeDocument/2006/relationships" xmlns:p="http://schemas.openxmlformats.org/presentationml/2006/main">
   <p:cSld>
@@ -8523,33 +8617,63 @@
           <a:chExt cx="0" cy="0"/>
         </a:xfrm>
       </p:grpSpPr>
-      <p:pic>
-        <p:nvPicPr>
-          <p:cNvPr id="7" name="Content Placeholder 6"/>
-          <p:cNvPicPr>
-            <a:picLocks noGrp="1" noChangeAspect="1"/>
-          </p:cNvPicPr>
+      <p:sp>
+        <p:nvSpPr>
+          <p:cNvPr id="2" name="Title 1"/>
+          <p:cNvSpPr>
+            <a:spLocks noGrp="1"/>
+          </p:cNvSpPr>
+          <p:nvPr>
+            <p:ph type="title"/>
+          </p:nvPr>
+        </p:nvSpPr>
+        <p:spPr/>
+        <p:txBody>
+          <a:bodyPr/>
+          <a:lstStyle/>
+          <a:p>
+            <a:r>
+              <a:rPr lang="en-US" dirty="0"/>
+              <a:t>Business Intelligence (BI) Tool</a:t>
+            </a:r>
+          </a:p>
+        </p:txBody>
+      </p:sp>
+      <p:sp>
+        <p:nvSpPr>
+          <p:cNvPr id="3" name="Content Placeholder 2"/>
+          <p:cNvSpPr>
+            <a:spLocks noGrp="1"/>
+          </p:cNvSpPr>
           <p:nvPr>
             <p:ph idx="1"/>
           </p:nvPr>
-        </p:nvPicPr>
-        <p:blipFill>
-          <a:blip r:embed="rId2"/>
-          <a:stretch>
-            <a:fillRect/>
-          </a:stretch>
-        </p:blipFill>
-        <p:spPr>
-          <a:xfrm>
-            <a:off x="2770910" y="0"/>
-            <a:ext cx="6677891" cy="6858000"/>
-          </a:xfrm>
-        </p:spPr>
-      </p:pic>
+        </p:nvSpPr>
+        <p:spPr/>
+        <p:txBody>
+          <a:bodyPr/>
+          <a:lstStyle/>
+          <a:p>
+            <a:r>
+              <a:rPr lang="en-US" dirty="0"/>
+              <a:t>IBM Watson</a:t>
+            </a:r>
+          </a:p>
+          <a:p>
+            <a:r>
+              <a:rPr lang="en-US" dirty="0"/>
+              <a:t>Pentaho</a:t>
+            </a:r>
+          </a:p>
+          <a:p>
+            <a:endParaRPr lang="en-US" dirty="0"/>
+          </a:p>
+        </p:txBody>
+      </p:sp>
     </p:spTree>
     <p:extLst>
       <p:ext uri="{BB962C8B-B14F-4D97-AF65-F5344CB8AC3E}">
-        <p14:creationId xmlns:p14="http://schemas.microsoft.com/office/powerpoint/2010/main" val="1075599276"/>
+        <p14:creationId xmlns:p14="http://schemas.microsoft.com/office/powerpoint/2010/main" val="1707736663"/>
       </p:ext>
     </p:extLst>
   </p:cSld>
